--- a/Providentia-Presentation.pptx
+++ b/Providentia-Presentation.pptx
@@ -236,7 +236,7 @@
   </p:defaultTextStyle>
   <p:extLst>
     <p:ext uri="{EFAFB233-063F-42B5-8137-9DF3F51BA10A}">
-      <p15:sldGuideLst xmlns:p15="http://schemas.microsoft.com/office/powerpoint/2012/main" xmlns=""/>
+      <p15:sldGuideLst xmlns="" xmlns:p15="http://schemas.microsoft.com/office/powerpoint/2012/main"/>
     </p:ext>
   </p:extLst>
 </p:presentation>
